--- a/NBA Questions & Answers.pptx
+++ b/NBA Questions & Answers.pptx
@@ -2712,7 +2712,7 @@
   <p:cSld>
     <p:spTree>
       <p:nvGrpSpPr>
-        <p:cNvPr id="1" name="Shape 240"/>
+        <p:cNvPr id="1" name="Shape 241"/>
         <p:cNvGrpSpPr/>
         <p:nvPr/>
       </p:nvGrpSpPr>
@@ -2726,7 +2726,7 @@
       </p:grpSpPr>
       <p:sp>
         <p:nvSpPr>
-          <p:cNvPr id="241" name="Shape 241"/>
+          <p:cNvPr id="242" name="Shape 242"/>
           <p:cNvSpPr>
             <a:spLocks noGrp="1" noRot="1" noChangeAspect="1"/>
           </p:cNvSpPr>
@@ -2767,7 +2767,7 @@
       </p:sp>
       <p:sp>
         <p:nvSpPr>
-          <p:cNvPr id="242" name="Shape 242"/>
+          <p:cNvPr id="243" name="Shape 243"/>
           <p:cNvSpPr txBox="1">
             <a:spLocks noGrp="1"/>
           </p:cNvSpPr>
@@ -2816,7 +2816,7 @@
   <p:cSld>
     <p:spTree>
       <p:nvGrpSpPr>
-        <p:cNvPr id="1" name="Shape 248"/>
+        <p:cNvPr id="1" name="Shape 249"/>
         <p:cNvGrpSpPr/>
         <p:nvPr/>
       </p:nvGrpSpPr>
@@ -2830,7 +2830,7 @@
       </p:grpSpPr>
       <p:sp>
         <p:nvSpPr>
-          <p:cNvPr id="249" name="Shape 249"/>
+          <p:cNvPr id="250" name="Shape 250"/>
           <p:cNvSpPr>
             <a:spLocks noGrp="1" noRot="1" noChangeAspect="1"/>
           </p:cNvSpPr>
@@ -2871,7 +2871,7 @@
       </p:sp>
       <p:sp>
         <p:nvSpPr>
-          <p:cNvPr id="250" name="Shape 250"/>
+          <p:cNvPr id="251" name="Shape 251"/>
           <p:cNvSpPr txBox="1">
             <a:spLocks noGrp="1"/>
           </p:cNvSpPr>
@@ -2920,7 +2920,7 @@
   <p:cSld>
     <p:spTree>
       <p:nvGrpSpPr>
-        <p:cNvPr id="1" name="Shape 255"/>
+        <p:cNvPr id="1" name="Shape 257"/>
         <p:cNvGrpSpPr/>
         <p:nvPr/>
       </p:nvGrpSpPr>
@@ -2934,7 +2934,7 @@
       </p:grpSpPr>
       <p:sp>
         <p:nvSpPr>
-          <p:cNvPr id="256" name="Shape 256"/>
+          <p:cNvPr id="258" name="Shape 258"/>
           <p:cNvSpPr>
             <a:spLocks noGrp="1" noRot="1" noChangeAspect="1"/>
           </p:cNvSpPr>
@@ -2975,7 +2975,7 @@
       </p:sp>
       <p:sp>
         <p:nvSpPr>
-          <p:cNvPr id="257" name="Shape 257"/>
+          <p:cNvPr id="259" name="Shape 259"/>
           <p:cNvSpPr txBox="1">
             <a:spLocks noGrp="1"/>
           </p:cNvSpPr>
@@ -12244,6 +12244,34 @@
           </a:p>
         </p:txBody>
       </p:sp>
+      <p:pic>
+        <p:nvPicPr>
+          <p:cNvPr id="240" name="Shape 240"/>
+          <p:cNvPicPr preferRelativeResize="0"/>
+          <p:nvPr/>
+        </p:nvPicPr>
+        <p:blipFill>
+          <a:blip r:embed="rId5">
+            <a:alphaModFix/>
+          </a:blip>
+          <a:stretch>
+            <a:fillRect/>
+          </a:stretch>
+        </p:blipFill>
+        <p:spPr>
+          <a:xfrm>
+            <a:off x="157850" y="1573375"/>
+            <a:ext cx="4620400" cy="3080275"/>
+          </a:xfrm>
+          <a:prstGeom prst="rect">
+            <a:avLst/>
+          </a:prstGeom>
+          <a:noFill/>
+          <a:ln>
+            <a:noFill/>
+          </a:ln>
+        </p:spPr>
+      </p:pic>
     </p:spTree>
   </p:cSld>
   <p:clrMapOvr>
@@ -12263,7 +12291,7 @@
     </p:bg>
     <p:spTree>
       <p:nvGrpSpPr>
-        <p:cNvPr id="1" name="Shape 243"/>
+        <p:cNvPr id="1" name="Shape 244"/>
         <p:cNvGrpSpPr/>
         <p:nvPr/>
       </p:nvGrpSpPr>
@@ -12277,7 +12305,7 @@
       </p:grpSpPr>
       <p:sp>
         <p:nvSpPr>
-          <p:cNvPr id="244" name="Shape 244"/>
+          <p:cNvPr id="245" name="Shape 245"/>
           <p:cNvSpPr txBox="1">
             <a:spLocks noGrp="1"/>
           </p:cNvSpPr>
@@ -12319,7 +12347,7 @@
       </p:sp>
       <p:pic>
         <p:nvPicPr>
-          <p:cNvPr id="245" name="Shape 245"/>
+          <p:cNvPr id="246" name="Shape 246"/>
           <p:cNvPicPr preferRelativeResize="0"/>
           <p:nvPr/>
         </p:nvPicPr>
@@ -12347,7 +12375,7 @@
       </p:pic>
       <p:pic>
         <p:nvPicPr>
-          <p:cNvPr id="246" name="Shape 246"/>
+          <p:cNvPr id="247" name="Shape 247"/>
           <p:cNvPicPr preferRelativeResize="0"/>
           <p:nvPr/>
         </p:nvPicPr>
@@ -12375,7 +12403,7 @@
       </p:pic>
       <p:sp>
         <p:nvSpPr>
-          <p:cNvPr id="247" name="Shape 247"/>
+          <p:cNvPr id="248" name="Shape 248"/>
           <p:cNvSpPr txBox="1">
             <a:spLocks noGrp="1"/>
           </p:cNvSpPr>
@@ -12434,7 +12462,7 @@
     </p:bg>
     <p:spTree>
       <p:nvGrpSpPr>
-        <p:cNvPr id="1" name="Shape 251"/>
+        <p:cNvPr id="1" name="Shape 252"/>
         <p:cNvGrpSpPr/>
         <p:nvPr/>
       </p:nvGrpSpPr>
@@ -12448,7 +12476,7 @@
       </p:grpSpPr>
       <p:pic>
         <p:nvPicPr>
-          <p:cNvPr id="252" name="Shape 252"/>
+          <p:cNvPr id="253" name="Shape 253"/>
           <p:cNvPicPr preferRelativeResize="0"/>
           <p:nvPr/>
         </p:nvPicPr>
@@ -12476,7 +12504,7 @@
       </p:pic>
       <p:sp>
         <p:nvSpPr>
-          <p:cNvPr id="253" name="Shape 253"/>
+          <p:cNvPr id="254" name="Shape 254"/>
           <p:cNvSpPr txBox="1">
             <a:spLocks noGrp="1"/>
           </p:cNvSpPr>
@@ -12518,7 +12546,7 @@
       </p:sp>
       <p:sp>
         <p:nvSpPr>
-          <p:cNvPr id="254" name="Shape 254"/>
+          <p:cNvPr id="255" name="Shape 255"/>
           <p:cNvSpPr txBox="1">
             <a:spLocks noGrp="1"/>
           </p:cNvSpPr>
@@ -12558,6 +12586,34 @@
           </a:p>
         </p:txBody>
       </p:sp>
+      <p:pic>
+        <p:nvPicPr>
+          <p:cNvPr id="256" name="Shape 256"/>
+          <p:cNvPicPr preferRelativeResize="0"/>
+          <p:nvPr/>
+        </p:nvPicPr>
+        <p:blipFill>
+          <a:blip r:embed="rId4">
+            <a:alphaModFix/>
+          </a:blip>
+          <a:stretch>
+            <a:fillRect/>
+          </a:stretch>
+        </p:blipFill>
+        <p:spPr>
+          <a:xfrm>
+            <a:off x="169525" y="1493675"/>
+            <a:ext cx="5357457" cy="3571625"/>
+          </a:xfrm>
+          <a:prstGeom prst="rect">
+            <a:avLst/>
+          </a:prstGeom>
+          <a:noFill/>
+          <a:ln>
+            <a:noFill/>
+          </a:ln>
+        </p:spPr>
+      </p:pic>
     </p:spTree>
   </p:cSld>
   <p:clrMapOvr>
@@ -12577,7 +12633,7 @@
     </p:bg>
     <p:spTree>
       <p:nvGrpSpPr>
-        <p:cNvPr id="1" name="Shape 258"/>
+        <p:cNvPr id="1" name="Shape 260"/>
         <p:cNvGrpSpPr/>
         <p:nvPr/>
       </p:nvGrpSpPr>
@@ -12591,7 +12647,7 @@
       </p:grpSpPr>
       <p:sp>
         <p:nvSpPr>
-          <p:cNvPr id="259" name="Shape 259"/>
+          <p:cNvPr id="261" name="Shape 261"/>
           <p:cNvSpPr txBox="1">
             <a:spLocks noGrp="1"/>
           </p:cNvSpPr>
